--- a/Tema 5 - Diseñador/Tema 5 - Diseñador.pptx
+++ b/Tema 5 - Diseñador/Tema 5 - Diseñador.pptx
@@ -941,7 +941,19 @@
         <a:p>
           <a:r>
             <a:rPr lang="en-US" dirty="0"/>
-            <a:t>Talking about Designer</a:t>
+            <a:t>Hablar </a:t>
+          </a:r>
+          <a:r>
+            <a:rPr lang="en-US" dirty="0" err="1"/>
+            <a:t>sobre</a:t>
+          </a:r>
+          <a:r>
+            <a:rPr lang="en-US" dirty="0"/>
+            <a:t> el </a:t>
+          </a:r>
+          <a:r>
+            <a:rPr lang="en-US" dirty="0" err="1"/>
+            <a:t>diseñador</a:t>
           </a:r>
           <a:endParaRPr lang="el-GR" dirty="0"/>
         </a:p>
@@ -977,8 +989,28 @@
         <a:lstStyle/>
         <a:p>
           <a:r>
+            <a:rPr lang="en-US" dirty="0" err="1"/>
+            <a:t>Diseñar</a:t>
+          </a:r>
+          <a:r>
             <a:rPr lang="en-US" dirty="0"/>
-            <a:t>Design the first Screen</a:t>
+            <a:t> la </a:t>
+          </a:r>
+          <a:r>
+            <a:rPr lang="en-US" dirty="0" err="1"/>
+            <a:t>primera</a:t>
+          </a:r>
+          <a:r>
+            <a:rPr lang="en-US" dirty="0"/>
+            <a:t> </a:t>
+          </a:r>
+          <a:r>
+            <a:rPr lang="en-US" dirty="0" err="1"/>
+            <a:t>pantalla</a:t>
+          </a:r>
+          <a:r>
+            <a:rPr lang="en-US" dirty="0"/>
+            <a:t>.</a:t>
           </a:r>
           <a:endParaRPr lang="el-GR" dirty="0"/>
         </a:p>
@@ -1014,8 +1046,56 @@
         <a:lstStyle/>
         <a:p>
           <a:r>
+            <a:rPr lang="en-US" dirty="0" err="1"/>
+            <a:t>Insertar</a:t>
+          </a:r>
+          <a:r>
             <a:rPr lang="en-US" dirty="0"/>
-            <a:t>Inserting and customizing Views: Labels, TextFields, Buttons, Panes</a:t>
+            <a:t> y </a:t>
+          </a:r>
+          <a:r>
+            <a:rPr lang="en-US" dirty="0" err="1"/>
+            <a:t>personalizar</a:t>
+          </a:r>
+          <a:r>
+            <a:rPr lang="en-US" dirty="0"/>
+            <a:t> vistas: </a:t>
+          </a:r>
+          <a:r>
+            <a:rPr lang="en-US" dirty="0" err="1"/>
+            <a:t>etiquetas</a:t>
+          </a:r>
+          <a:r>
+            <a:rPr lang="en-US" dirty="0"/>
+            <a:t>, </a:t>
+          </a:r>
+          <a:r>
+            <a:rPr lang="en-US" dirty="0" err="1"/>
+            <a:t>campos</a:t>
+          </a:r>
+          <a:r>
+            <a:rPr lang="en-US" dirty="0"/>
+            <a:t> de </a:t>
+          </a:r>
+          <a:r>
+            <a:rPr lang="en-US" dirty="0" err="1"/>
+            <a:t>texto</a:t>
+          </a:r>
+          <a:r>
+            <a:rPr lang="en-US" dirty="0"/>
+            <a:t>, </a:t>
+          </a:r>
+          <a:r>
+            <a:rPr lang="en-US" dirty="0" err="1"/>
+            <a:t>botones</a:t>
+          </a:r>
+          <a:r>
+            <a:rPr lang="en-US" dirty="0"/>
+            <a:t>, </a:t>
+          </a:r>
+          <a:r>
+            <a:rPr lang="en-US" dirty="0" err="1"/>
+            <a:t>paneles</a:t>
           </a:r>
           <a:endParaRPr lang="el-GR" dirty="0"/>
         </a:p>
@@ -1051,8 +1131,16 @@
         <a:lstStyle/>
         <a:p>
           <a:r>
+            <a:rPr lang="en-US" dirty="0" err="1"/>
+            <a:t>Guardar</a:t>
+          </a:r>
+          <a:r>
             <a:rPr lang="en-US" dirty="0"/>
-            <a:t>Saving forms</a:t>
+            <a:t> </a:t>
+          </a:r>
+          <a:r>
+            <a:rPr lang="en-US" dirty="0" err="1"/>
+            <a:t>formularios</a:t>
           </a:r>
           <a:endParaRPr lang="el-GR" dirty="0"/>
         </a:p>
@@ -1088,8 +1176,48 @@
         <a:lstStyle/>
         <a:p>
           <a:r>
+            <a:rPr lang="en-US" dirty="0" err="1"/>
+            <a:t>Diseñar</a:t>
+          </a:r>
+          <a:r>
             <a:rPr lang="en-US" dirty="0"/>
-            <a:t>Design your own Main Screen using wireframes</a:t>
+            <a:t> </a:t>
+          </a:r>
+          <a:r>
+            <a:rPr lang="en-US" dirty="0" err="1"/>
+            <a:t>tu</a:t>
+          </a:r>
+          <a:r>
+            <a:rPr lang="en-US" dirty="0"/>
+            <a:t> </a:t>
+          </a:r>
+          <a:r>
+            <a:rPr lang="en-US" dirty="0" err="1"/>
+            <a:t>propia</a:t>
+          </a:r>
+          <a:r>
+            <a:rPr lang="en-US" dirty="0"/>
+            <a:t> </a:t>
+          </a:r>
+          <a:r>
+            <a:rPr lang="en-US" dirty="0" err="1"/>
+            <a:t>pantalla</a:t>
+          </a:r>
+          <a:r>
+            <a:rPr lang="en-US" dirty="0"/>
+            <a:t> principal </a:t>
+          </a:r>
+          <a:r>
+            <a:rPr lang="en-US" dirty="0" err="1"/>
+            <a:t>utilizando</a:t>
+          </a:r>
+          <a:r>
+            <a:rPr lang="en-US" dirty="0"/>
+            <a:t> </a:t>
+          </a:r>
+          <a:r>
+            <a:rPr lang="en-US"/>
+            <a:t>esquemas</a:t>
           </a:r>
           <a:endParaRPr lang="el-GR" dirty="0"/>
         </a:p>
@@ -1273,12 +1401,12 @@
         </a:fontRef>
       </dsp:style>
       <dsp:txBody>
-        <a:bodyPr spcFirstLastPara="0" vert="horz" wrap="square" lIns="106680" tIns="106680" rIns="106680" bIns="106680" numCol="1" spcCol="1270" anchor="ctr" anchorCtr="0">
+        <a:bodyPr spcFirstLastPara="0" vert="horz" wrap="square" lIns="91440" tIns="91440" rIns="91440" bIns="91440" numCol="1" spcCol="1270" anchor="ctr" anchorCtr="0">
           <a:noAutofit/>
         </a:bodyPr>
         <a:lstStyle/>
         <a:p>
-          <a:pPr marL="0" lvl="0" indent="0" algn="ctr" defTabSz="1244600">
+          <a:pPr marL="0" lvl="0" indent="0" algn="ctr" defTabSz="1066800">
             <a:lnSpc>
               <a:spcPct val="90000"/>
             </a:lnSpc>
@@ -1291,10 +1419,22 @@
             <a:buNone/>
           </a:pPr>
           <a:r>
-            <a:rPr lang="en-US" sz="2800" kern="1200" dirty="0"/>
-            <a:t>Talking about Designer</a:t>
+            <a:rPr lang="en-US" sz="2400" kern="1200" dirty="0"/>
+            <a:t>Hablar </a:t>
           </a:r>
-          <a:endParaRPr lang="el-GR" sz="2800" kern="1200" dirty="0"/>
+          <a:r>
+            <a:rPr lang="en-US" sz="2400" kern="1200" dirty="0" err="1"/>
+            <a:t>sobre</a:t>
+          </a:r>
+          <a:r>
+            <a:rPr lang="en-US" sz="2400" kern="1200" dirty="0"/>
+            <a:t> el </a:t>
+          </a:r>
+          <a:r>
+            <a:rPr lang="en-US" sz="2400" kern="1200" dirty="0" err="1"/>
+            <a:t>diseñador</a:t>
+          </a:r>
+          <a:endParaRPr lang="el-GR" sz="2400" kern="1200" dirty="0"/>
         </a:p>
       </dsp:txBody>
       <dsp:txXfrm>
@@ -1352,12 +1492,12 @@
         </a:fontRef>
       </dsp:style>
       <dsp:txBody>
-        <a:bodyPr spcFirstLastPara="0" vert="horz" wrap="square" lIns="106680" tIns="106680" rIns="106680" bIns="106680" numCol="1" spcCol="1270" anchor="ctr" anchorCtr="0">
+        <a:bodyPr spcFirstLastPara="0" vert="horz" wrap="square" lIns="91440" tIns="91440" rIns="91440" bIns="91440" numCol="1" spcCol="1270" anchor="ctr" anchorCtr="0">
           <a:noAutofit/>
         </a:bodyPr>
         <a:lstStyle/>
         <a:p>
-          <a:pPr marL="0" lvl="0" indent="0" algn="ctr" defTabSz="1244600">
+          <a:pPr marL="0" lvl="0" indent="0" algn="ctr" defTabSz="1066800">
             <a:lnSpc>
               <a:spcPct val="90000"/>
             </a:lnSpc>
@@ -1370,10 +1510,30 @@
             <a:buNone/>
           </a:pPr>
           <a:r>
-            <a:rPr lang="en-US" sz="2800" kern="1200" dirty="0"/>
-            <a:t>Design the first Screen</a:t>
+            <a:rPr lang="en-US" sz="2400" kern="1200" dirty="0" err="1"/>
+            <a:t>Diseñar</a:t>
           </a:r>
-          <a:endParaRPr lang="el-GR" sz="2800" kern="1200" dirty="0"/>
+          <a:r>
+            <a:rPr lang="en-US" sz="2400" kern="1200" dirty="0"/>
+            <a:t> la </a:t>
+          </a:r>
+          <a:r>
+            <a:rPr lang="en-US" sz="2400" kern="1200" dirty="0" err="1"/>
+            <a:t>primera</a:t>
+          </a:r>
+          <a:r>
+            <a:rPr lang="en-US" sz="2400" kern="1200" dirty="0"/>
+            <a:t> </a:t>
+          </a:r>
+          <a:r>
+            <a:rPr lang="en-US" sz="2400" kern="1200" dirty="0" err="1"/>
+            <a:t>pantalla</a:t>
+          </a:r>
+          <a:r>
+            <a:rPr lang="en-US" sz="2400" kern="1200" dirty="0"/>
+            <a:t>.</a:t>
+          </a:r>
+          <a:endParaRPr lang="el-GR" sz="2400" kern="1200" dirty="0"/>
         </a:p>
       </dsp:txBody>
       <dsp:txXfrm>
@@ -1431,12 +1591,12 @@
         </a:fontRef>
       </dsp:style>
       <dsp:txBody>
-        <a:bodyPr spcFirstLastPara="0" vert="horz" wrap="square" lIns="106680" tIns="106680" rIns="106680" bIns="106680" numCol="1" spcCol="1270" anchor="ctr" anchorCtr="0">
+        <a:bodyPr spcFirstLastPara="0" vert="horz" wrap="square" lIns="91440" tIns="91440" rIns="91440" bIns="91440" numCol="1" spcCol="1270" anchor="ctr" anchorCtr="0">
           <a:noAutofit/>
         </a:bodyPr>
         <a:lstStyle/>
         <a:p>
-          <a:pPr marL="0" lvl="0" indent="0" algn="ctr" defTabSz="1244600">
+          <a:pPr marL="0" lvl="0" indent="0" algn="ctr" defTabSz="1066800">
             <a:lnSpc>
               <a:spcPct val="90000"/>
             </a:lnSpc>
@@ -1449,10 +1609,58 @@
             <a:buNone/>
           </a:pPr>
           <a:r>
-            <a:rPr lang="en-US" sz="2800" kern="1200" dirty="0"/>
-            <a:t>Inserting and customizing Views: Labels, TextFields, Buttons, Panes</a:t>
+            <a:rPr lang="en-US" sz="2400" kern="1200" dirty="0" err="1"/>
+            <a:t>Insertar</a:t>
           </a:r>
-          <a:endParaRPr lang="el-GR" sz="2800" kern="1200" dirty="0"/>
+          <a:r>
+            <a:rPr lang="en-US" sz="2400" kern="1200" dirty="0"/>
+            <a:t> y </a:t>
+          </a:r>
+          <a:r>
+            <a:rPr lang="en-US" sz="2400" kern="1200" dirty="0" err="1"/>
+            <a:t>personalizar</a:t>
+          </a:r>
+          <a:r>
+            <a:rPr lang="en-US" sz="2400" kern="1200" dirty="0"/>
+            <a:t> vistas: </a:t>
+          </a:r>
+          <a:r>
+            <a:rPr lang="en-US" sz="2400" kern="1200" dirty="0" err="1"/>
+            <a:t>etiquetas</a:t>
+          </a:r>
+          <a:r>
+            <a:rPr lang="en-US" sz="2400" kern="1200" dirty="0"/>
+            <a:t>, </a:t>
+          </a:r>
+          <a:r>
+            <a:rPr lang="en-US" sz="2400" kern="1200" dirty="0" err="1"/>
+            <a:t>campos</a:t>
+          </a:r>
+          <a:r>
+            <a:rPr lang="en-US" sz="2400" kern="1200" dirty="0"/>
+            <a:t> de </a:t>
+          </a:r>
+          <a:r>
+            <a:rPr lang="en-US" sz="2400" kern="1200" dirty="0" err="1"/>
+            <a:t>texto</a:t>
+          </a:r>
+          <a:r>
+            <a:rPr lang="en-US" sz="2400" kern="1200" dirty="0"/>
+            <a:t>, </a:t>
+          </a:r>
+          <a:r>
+            <a:rPr lang="en-US" sz="2400" kern="1200" dirty="0" err="1"/>
+            <a:t>botones</a:t>
+          </a:r>
+          <a:r>
+            <a:rPr lang="en-US" sz="2400" kern="1200" dirty="0"/>
+            <a:t>, </a:t>
+          </a:r>
+          <a:r>
+            <a:rPr lang="en-US" sz="2400" kern="1200" dirty="0" err="1"/>
+            <a:t>paneles</a:t>
+          </a:r>
+          <a:endParaRPr lang="el-GR" sz="2400" kern="1200" dirty="0"/>
         </a:p>
       </dsp:txBody>
       <dsp:txXfrm>
@@ -1510,12 +1718,12 @@
         </a:fontRef>
       </dsp:style>
       <dsp:txBody>
-        <a:bodyPr spcFirstLastPara="0" vert="horz" wrap="square" lIns="106680" tIns="106680" rIns="106680" bIns="106680" numCol="1" spcCol="1270" anchor="ctr" anchorCtr="0">
+        <a:bodyPr spcFirstLastPara="0" vert="horz" wrap="square" lIns="91440" tIns="91440" rIns="91440" bIns="91440" numCol="1" spcCol="1270" anchor="ctr" anchorCtr="0">
           <a:noAutofit/>
         </a:bodyPr>
         <a:lstStyle/>
         <a:p>
-          <a:pPr marL="0" lvl="0" indent="0" algn="ctr" defTabSz="1244600">
+          <a:pPr marL="0" lvl="0" indent="0" algn="ctr" defTabSz="1066800">
             <a:lnSpc>
               <a:spcPct val="90000"/>
             </a:lnSpc>
@@ -1528,10 +1736,18 @@
             <a:buNone/>
           </a:pPr>
           <a:r>
-            <a:rPr lang="en-US" sz="2800" kern="1200" dirty="0"/>
-            <a:t>Saving forms</a:t>
+            <a:rPr lang="en-US" sz="2400" kern="1200" dirty="0" err="1"/>
+            <a:t>Guardar</a:t>
           </a:r>
-          <a:endParaRPr lang="el-GR" sz="2800" kern="1200" dirty="0"/>
+          <a:r>
+            <a:rPr lang="en-US" sz="2400" kern="1200" dirty="0"/>
+            <a:t> </a:t>
+          </a:r>
+          <a:r>
+            <a:rPr lang="en-US" sz="2400" kern="1200" dirty="0" err="1"/>
+            <a:t>formularios</a:t>
+          </a:r>
+          <a:endParaRPr lang="el-GR" sz="2400" kern="1200" dirty="0"/>
         </a:p>
       </dsp:txBody>
       <dsp:txXfrm>
@@ -1589,12 +1805,12 @@
         </a:fontRef>
       </dsp:style>
       <dsp:txBody>
-        <a:bodyPr spcFirstLastPara="0" vert="horz" wrap="square" lIns="106680" tIns="106680" rIns="106680" bIns="106680" numCol="1" spcCol="1270" anchor="ctr" anchorCtr="0">
+        <a:bodyPr spcFirstLastPara="0" vert="horz" wrap="square" lIns="91440" tIns="91440" rIns="91440" bIns="91440" numCol="1" spcCol="1270" anchor="ctr" anchorCtr="0">
           <a:noAutofit/>
         </a:bodyPr>
         <a:lstStyle/>
         <a:p>
-          <a:pPr marL="0" lvl="0" indent="0" algn="ctr" defTabSz="1244600">
+          <a:pPr marL="0" lvl="0" indent="0" algn="ctr" defTabSz="1066800">
             <a:lnSpc>
               <a:spcPct val="90000"/>
             </a:lnSpc>
@@ -1607,10 +1823,50 @@
             <a:buNone/>
           </a:pPr>
           <a:r>
-            <a:rPr lang="en-US" sz="2800" kern="1200" dirty="0"/>
-            <a:t>Design your own Main Screen using wireframes</a:t>
+            <a:rPr lang="en-US" sz="2400" kern="1200" dirty="0" err="1"/>
+            <a:t>Diseñar</a:t>
           </a:r>
-          <a:endParaRPr lang="el-GR" sz="2800" kern="1200" dirty="0"/>
+          <a:r>
+            <a:rPr lang="en-US" sz="2400" kern="1200" dirty="0"/>
+            <a:t> </a:t>
+          </a:r>
+          <a:r>
+            <a:rPr lang="en-US" sz="2400" kern="1200" dirty="0" err="1"/>
+            <a:t>tu</a:t>
+          </a:r>
+          <a:r>
+            <a:rPr lang="en-US" sz="2400" kern="1200" dirty="0"/>
+            <a:t> </a:t>
+          </a:r>
+          <a:r>
+            <a:rPr lang="en-US" sz="2400" kern="1200" dirty="0" err="1"/>
+            <a:t>propia</a:t>
+          </a:r>
+          <a:r>
+            <a:rPr lang="en-US" sz="2400" kern="1200" dirty="0"/>
+            <a:t> </a:t>
+          </a:r>
+          <a:r>
+            <a:rPr lang="en-US" sz="2400" kern="1200" dirty="0" err="1"/>
+            <a:t>pantalla</a:t>
+          </a:r>
+          <a:r>
+            <a:rPr lang="en-US" sz="2400" kern="1200" dirty="0"/>
+            <a:t> principal </a:t>
+          </a:r>
+          <a:r>
+            <a:rPr lang="en-US" sz="2400" kern="1200" dirty="0" err="1"/>
+            <a:t>utilizando</a:t>
+          </a:r>
+          <a:r>
+            <a:rPr lang="en-US" sz="2400" kern="1200" dirty="0"/>
+            <a:t> </a:t>
+          </a:r>
+          <a:r>
+            <a:rPr lang="en-US" sz="2400" kern="1200"/>
+            <a:t>esquemas</a:t>
+          </a:r>
+          <a:endParaRPr lang="el-GR" sz="2400" kern="1200" dirty="0"/>
         </a:p>
       </dsp:txBody>
       <dsp:txXfrm>
@@ -2885,7 +3141,7 @@
           <a:p>
             <a:fld id="{1DD4402E-2714-4F60-8F6B-D0DE2235143B}" type="datetimeFigureOut">
               <a:rPr lang="el-GR" smtClean="0"/>
-              <a:t>1/3/2021</a:t>
+              <a:t>8/3/2021</a:t>
             </a:fld>
             <a:endParaRPr lang="el-GR"/>
           </a:p>
@@ -3043,7 +3299,7 @@
           <a:p>
             <a:fld id="{CC55FB4C-B738-4A33-B990-641E6E4721E1}" type="slidenum">
               <a:rPr lang="el-GR" smtClean="0"/>
-              <a:t>‹#›</a:t>
+              <a:t>‹Nº›</a:t>
             </a:fld>
             <a:endParaRPr lang="el-GR"/>
           </a:p>
@@ -6181,15 +6437,23 @@
           <a:p>
             <a:pPr algn="r"/>
             <a:r>
+              <a:rPr lang="en-US" dirty="0" err="1"/>
+              <a:t>Profesor</a:t>
+            </a:r>
+            <a:r>
               <a:rPr lang="en-US" dirty="0"/>
-              <a:t>Teacher: </a:t>
+              <a:t>: </a:t>
             </a:r>
           </a:p>
           <a:p>
             <a:pPr algn="r"/>
             <a:r>
+              <a:rPr lang="en-US" dirty="0" err="1"/>
+              <a:t>Fecha</a:t>
+            </a:r>
+            <a:r>
               <a:rPr lang="en-US" dirty="0"/>
-              <a:t>Date: </a:t>
+              <a:t>: </a:t>
             </a:r>
             <a:endParaRPr lang="el-GR" dirty="0"/>
           </a:p>
@@ -6431,7 +6695,7 @@
           <a:p>
             <a:fld id="{86F0BDD2-2FE9-4947-8A0F-347E40919148}" type="datetimeFigureOut">
               <a:rPr lang="el-GR" smtClean="0"/>
-              <a:t>1/3/2021</a:t>
+              <a:t>8/3/2021</a:t>
             </a:fld>
             <a:endParaRPr lang="el-GR"/>
           </a:p>
@@ -6493,7 +6757,7 @@
           <a:p>
             <a:fld id="{F9728FE4-F993-4AA7-8D32-92FBEBDEE1A7}" type="slidenum">
               <a:rPr lang="el-GR" smtClean="0"/>
-              <a:t>‹#›</a:t>
+              <a:t>‹Nº›</a:t>
             </a:fld>
             <a:endParaRPr lang="el-GR"/>
           </a:p>
@@ -6741,7 +7005,7 @@
             <a:fld id="{86F0BDD2-2FE9-4947-8A0F-347E40919148}" type="datetimeFigureOut">
               <a:rPr lang="el-GR" smtClean="0"/>
               <a:pPr/>
-              <a:t>1/3/2021</a:t>
+              <a:t>8/3/2021</a:t>
             </a:fld>
             <a:endParaRPr lang="el-GR"/>
           </a:p>
@@ -6818,7 +7082,7 @@
             <a:fld id="{F9728FE4-F993-4AA7-8D32-92FBEBDEE1A7}" type="slidenum">
               <a:rPr lang="el-GR" smtClean="0"/>
               <a:pPr/>
-              <a:t>‹#›</a:t>
+              <a:t>‹Nº›</a:t>
             </a:fld>
             <a:endParaRPr lang="el-GR"/>
           </a:p>
@@ -7052,7 +7316,7 @@
           <a:p>
             <a:fld id="{86F0BDD2-2FE9-4947-8A0F-347E40919148}" type="datetimeFigureOut">
               <a:rPr lang="el-GR" smtClean="0"/>
-              <a:t>1/3/2021</a:t>
+              <a:t>8/3/2021</a:t>
             </a:fld>
             <a:endParaRPr lang="el-GR"/>
           </a:p>
@@ -7114,7 +7378,7 @@
           <a:p>
             <a:fld id="{F9728FE4-F993-4AA7-8D32-92FBEBDEE1A7}" type="slidenum">
               <a:rPr lang="el-GR" smtClean="0"/>
-              <a:t>‹#›</a:t>
+              <a:t>‹Nº›</a:t>
             </a:fld>
             <a:endParaRPr lang="el-GR"/>
           </a:p>
@@ -7569,7 +7833,7 @@
             <a:fld id="{86F0BDD2-2FE9-4947-8A0F-347E40919148}" type="datetimeFigureOut">
               <a:rPr lang="el-GR" smtClean="0"/>
               <a:pPr/>
-              <a:t>1/3/2021</a:t>
+              <a:t>8/3/2021</a:t>
             </a:fld>
             <a:endParaRPr lang="el-GR">
               <a:latin typeface="Verdana" panose="020B0604030504040204" pitchFamily="34" charset="0"/>
@@ -7652,7 +7916,7 @@
             <a:fld id="{F9728FE4-F993-4AA7-8D32-92FBEBDEE1A7}" type="slidenum">
               <a:rPr lang="el-GR" smtClean="0"/>
               <a:pPr/>
-              <a:t>‹#›</a:t>
+              <a:t>‹Nº›</a:t>
             </a:fld>
             <a:endParaRPr lang="el-GR">
               <a:latin typeface="Verdana" panose="020B0604030504040204" pitchFamily="34" charset="0"/>
@@ -7776,7 +8040,7 @@
             <a:fld id="{86F0BDD2-2FE9-4947-8A0F-347E40919148}" type="datetimeFigureOut">
               <a:rPr lang="el-GR" smtClean="0"/>
               <a:pPr/>
-              <a:t>1/3/2021</a:t>
+              <a:t>8/3/2021</a:t>
             </a:fld>
             <a:endParaRPr lang="el-GR" sz="1100"/>
           </a:p>
@@ -7853,7 +8117,7 @@
             <a:fld id="{F9728FE4-F993-4AA7-8D32-92FBEBDEE1A7}" type="slidenum">
               <a:rPr lang="el-GR" smtClean="0"/>
               <a:pPr/>
-              <a:t>‹#›</a:t>
+              <a:t>‹Nº›</a:t>
             </a:fld>
             <a:endParaRPr lang="el-GR" sz="1100"/>
           </a:p>
@@ -7924,7 +8188,7 @@
           <a:p>
             <a:fld id="{86F0BDD2-2FE9-4947-8A0F-347E40919148}" type="datetimeFigureOut">
               <a:rPr lang="el-GR" smtClean="0"/>
-              <a:t>1/3/2021</a:t>
+              <a:t>8/3/2021</a:t>
             </a:fld>
             <a:endParaRPr lang="el-GR"/>
           </a:p>
@@ -7986,7 +8250,7 @@
           <a:p>
             <a:fld id="{F9728FE4-F993-4AA7-8D32-92FBEBDEE1A7}" type="slidenum">
               <a:rPr lang="el-GR" smtClean="0"/>
-              <a:t>‹#›</a:t>
+              <a:t>‹Nº›</a:t>
             </a:fld>
             <a:endParaRPr lang="el-GR"/>
           </a:p>
@@ -8286,7 +8550,7 @@
             <a:fld id="{86F0BDD2-2FE9-4947-8A0F-347E40919148}" type="datetimeFigureOut">
               <a:rPr lang="el-GR" smtClean="0"/>
               <a:pPr/>
-              <a:t>1/3/2021</a:t>
+              <a:t>8/3/2021</a:t>
             </a:fld>
             <a:endParaRPr lang="el-GR">
               <a:latin typeface="Verdana" panose="020B0604030504040204" pitchFamily="34" charset="0"/>
@@ -8369,7 +8633,7 @@
             <a:fld id="{F9728FE4-F993-4AA7-8D32-92FBEBDEE1A7}" type="slidenum">
               <a:rPr lang="el-GR" smtClean="0"/>
               <a:pPr/>
-              <a:t>‹#›</a:t>
+              <a:t>‹Nº›</a:t>
             </a:fld>
             <a:endParaRPr lang="el-GR">
               <a:latin typeface="Verdana" panose="020B0604030504040204" pitchFamily="34" charset="0"/>
@@ -8637,7 +8901,7 @@
             <a:fld id="{86F0BDD2-2FE9-4947-8A0F-347E40919148}" type="datetimeFigureOut">
               <a:rPr lang="el-GR" smtClean="0"/>
               <a:pPr/>
-              <a:t>1/3/2021</a:t>
+              <a:t>8/3/2021</a:t>
             </a:fld>
             <a:endParaRPr lang="el-GR">
               <a:latin typeface="Verdana" panose="020B0604030504040204" pitchFamily="34" charset="0"/>
@@ -8720,7 +8984,7 @@
             <a:fld id="{F9728FE4-F993-4AA7-8D32-92FBEBDEE1A7}" type="slidenum">
               <a:rPr lang="el-GR" smtClean="0"/>
               <a:pPr/>
-              <a:t>‹#›</a:t>
+              <a:t>‹Nº›</a:t>
             </a:fld>
             <a:endParaRPr lang="el-GR">
               <a:latin typeface="Verdana" panose="020B0604030504040204" pitchFamily="34" charset="0"/>
@@ -8961,7 +9225,7 @@
             <a:fld id="{86F0BDD2-2FE9-4947-8A0F-347E40919148}" type="datetimeFigureOut">
               <a:rPr lang="el-GR" smtClean="0"/>
               <a:pPr/>
-              <a:t>1/3/2021</a:t>
+              <a:t>8/3/2021</a:t>
             </a:fld>
             <a:endParaRPr lang="el-GR"/>
           </a:p>
@@ -9011,7 +9275,7 @@
             <a:fld id="{F9728FE4-F993-4AA7-8D32-92FBEBDEE1A7}" type="slidenum">
               <a:rPr lang="el-GR" smtClean="0"/>
               <a:pPr/>
-              <a:t>‹#›</a:t>
+              <a:t>‹Nº›</a:t>
             </a:fld>
             <a:endParaRPr lang="el-GR"/>
           </a:p>
@@ -9448,8 +9712,12 @@
           <a:lstStyle/>
           <a:p>
             <a:r>
+              <a:rPr lang="en-US" dirty="0" err="1"/>
+              <a:t>Programando</a:t>
+            </a:r>
+            <a:r>
               <a:rPr lang="en-US" dirty="0"/>
-              <a:t>Programming with B4X</a:t>
+              <a:t> con B4X</a:t>
             </a:r>
             <a:endParaRPr lang="el-GR" dirty="0"/>
           </a:p>
@@ -9484,6 +9752,18 @@
           <a:lstStyle/>
           <a:p>
             <a:r>
+              <a:rPr lang="en-US" sz="2800" b="1" kern="0" dirty="0" err="1">
+                <a:solidFill>
+                  <a:srgbClr val="2F5496"/>
+                </a:solidFill>
+                <a:effectLst/>
+                <a:latin typeface="Verdana" panose="020B0604030504040204" pitchFamily="34" charset="0"/>
+                <a:ea typeface="Times New Roman" panose="02020603050405020304" pitchFamily="18" charset="0"/>
+                <a:cs typeface="Times New Roman" panose="02020603050405020304" pitchFamily="18" charset="0"/>
+              </a:rPr>
+              <a:t>Tema</a:t>
+            </a:r>
+            <a:r>
               <a:rPr lang="en-US" sz="2800" b="1" kern="0" dirty="0">
                 <a:solidFill>
                   <a:srgbClr val="2F5496"/>
@@ -9493,7 +9773,31 @@
                 <a:ea typeface="Times New Roman" panose="02020603050405020304" pitchFamily="18" charset="0"/>
                 <a:cs typeface="Times New Roman" panose="02020603050405020304" pitchFamily="18" charset="0"/>
               </a:rPr>
-              <a:t>Lesson 5 – Designer </a:t>
+              <a:t> 5 – </a:t>
+            </a:r>
+            <a:r>
+              <a:rPr lang="en-US" sz="2800" b="1" kern="0" dirty="0" err="1">
+                <a:solidFill>
+                  <a:srgbClr val="2F5496"/>
+                </a:solidFill>
+                <a:effectLst/>
+                <a:latin typeface="Verdana" panose="020B0604030504040204" pitchFamily="34" charset="0"/>
+                <a:ea typeface="Times New Roman" panose="02020603050405020304" pitchFamily="18" charset="0"/>
+                <a:cs typeface="Times New Roman" panose="02020603050405020304" pitchFamily="18" charset="0"/>
+              </a:rPr>
+              <a:t>Diseñador</a:t>
+            </a:r>
+            <a:r>
+              <a:rPr lang="en-US" sz="2800" b="1" kern="0" dirty="0">
+                <a:solidFill>
+                  <a:srgbClr val="2F5496"/>
+                </a:solidFill>
+                <a:effectLst/>
+                <a:latin typeface="Verdana" panose="020B0604030504040204" pitchFamily="34" charset="0"/>
+                <a:ea typeface="Times New Roman" panose="02020603050405020304" pitchFamily="18" charset="0"/>
+                <a:cs typeface="Times New Roman" panose="02020603050405020304" pitchFamily="18" charset="0"/>
+              </a:rPr>
+              <a:t> </a:t>
             </a:r>
             <a:endParaRPr lang="el-GR" sz="3600" dirty="0"/>
           </a:p>
@@ -9596,8 +9900,12 @@
           <a:lstStyle/>
           <a:p>
             <a:r>
+              <a:rPr lang="en-US" sz="2400" dirty="0" err="1"/>
+              <a:t>marzo</a:t>
+            </a:r>
+            <a:r>
               <a:rPr lang="en-US" sz="2400" dirty="0"/>
-              <a:t>Feb 2021</a:t>
+              <a:t> 2021</a:t>
             </a:r>
             <a:endParaRPr lang="el-GR" sz="2400" dirty="0"/>
           </a:p>
@@ -14278,7 +14586,11 @@
           <a:p>
             <a:r>
               <a:rPr lang="en-US" dirty="0"/>
-              <a:t>Today you will learn</a:t>
+              <a:t>Hoy </a:t>
+            </a:r>
+            <a:r>
+              <a:rPr lang="en-US" dirty="0" err="1"/>
+              <a:t>aprenderás</a:t>
             </a:r>
             <a:endParaRPr lang="el-GR" dirty="0"/>
           </a:p>
@@ -14300,7 +14612,7 @@
             <p:ph idx="4294967295"/>
             <p:extLst>
               <p:ext uri="{D42A27DB-BD31-4B8C-83A1-F6EECF244321}">
-                <p14:modId xmlns:p14="http://schemas.microsoft.com/office/powerpoint/2010/main" val="3307408324"/>
+                <p14:modId xmlns:p14="http://schemas.microsoft.com/office/powerpoint/2010/main" val="3383110062"/>
               </p:ext>
             </p:extLst>
           </p:nvPr>
